--- a/Figure 1/Figure1.pptx
+++ b/Figure 1/Figure1.pptx
@@ -197,7 +197,7 @@
           <a:p>
             <a:fld id="{CDE3B4E9-C02B-6F49-83A9-510036541F8F}" type="datetimeFigureOut">
               <a:rPr lang="en-US" smtClean="0"/>
-              <a:t>7/26/21</a:t>
+              <a:t>10/15/21</a:t>
             </a:fld>
             <a:endParaRPr lang="en-US"/>
           </a:p>
@@ -695,7 +695,7 @@
           <a:p>
             <a:fld id="{4036A734-A340-5443-B845-4EEF74CC76E6}" type="datetimeFigureOut">
               <a:rPr lang="en-US" smtClean="0"/>
-              <a:t>7/26/21</a:t>
+              <a:t>10/15/21</a:t>
             </a:fld>
             <a:endParaRPr lang="en-US"/>
           </a:p>
@@ -893,7 +893,7 @@
           <a:p>
             <a:fld id="{4036A734-A340-5443-B845-4EEF74CC76E6}" type="datetimeFigureOut">
               <a:rPr lang="en-US" smtClean="0"/>
-              <a:t>7/26/21</a:t>
+              <a:t>10/15/21</a:t>
             </a:fld>
             <a:endParaRPr lang="en-US"/>
           </a:p>
@@ -1101,7 +1101,7 @@
           <a:p>
             <a:fld id="{4036A734-A340-5443-B845-4EEF74CC76E6}" type="datetimeFigureOut">
               <a:rPr lang="en-US" smtClean="0"/>
-              <a:t>7/26/21</a:t>
+              <a:t>10/15/21</a:t>
             </a:fld>
             <a:endParaRPr lang="en-US"/>
           </a:p>
@@ -1299,7 +1299,7 @@
           <a:p>
             <a:fld id="{4036A734-A340-5443-B845-4EEF74CC76E6}" type="datetimeFigureOut">
               <a:rPr lang="en-US" smtClean="0"/>
-              <a:t>7/26/21</a:t>
+              <a:t>10/15/21</a:t>
             </a:fld>
             <a:endParaRPr lang="en-US"/>
           </a:p>
@@ -1574,7 +1574,7 @@
           <a:p>
             <a:fld id="{4036A734-A340-5443-B845-4EEF74CC76E6}" type="datetimeFigureOut">
               <a:rPr lang="en-US" smtClean="0"/>
-              <a:t>7/26/21</a:t>
+              <a:t>10/15/21</a:t>
             </a:fld>
             <a:endParaRPr lang="en-US"/>
           </a:p>
@@ -1839,7 +1839,7 @@
           <a:p>
             <a:fld id="{4036A734-A340-5443-B845-4EEF74CC76E6}" type="datetimeFigureOut">
               <a:rPr lang="en-US" smtClean="0"/>
-              <a:t>7/26/21</a:t>
+              <a:t>10/15/21</a:t>
             </a:fld>
             <a:endParaRPr lang="en-US"/>
           </a:p>
@@ -2251,7 +2251,7 @@
           <a:p>
             <a:fld id="{4036A734-A340-5443-B845-4EEF74CC76E6}" type="datetimeFigureOut">
               <a:rPr lang="en-US" smtClean="0"/>
-              <a:t>7/26/21</a:t>
+              <a:t>10/15/21</a:t>
             </a:fld>
             <a:endParaRPr lang="en-US"/>
           </a:p>
@@ -2392,7 +2392,7 @@
           <a:p>
             <a:fld id="{4036A734-A340-5443-B845-4EEF74CC76E6}" type="datetimeFigureOut">
               <a:rPr lang="en-US" smtClean="0"/>
-              <a:t>7/26/21</a:t>
+              <a:t>10/15/21</a:t>
             </a:fld>
             <a:endParaRPr lang="en-US"/>
           </a:p>
@@ -2505,7 +2505,7 @@
           <a:p>
             <a:fld id="{4036A734-A340-5443-B845-4EEF74CC76E6}" type="datetimeFigureOut">
               <a:rPr lang="en-US" smtClean="0"/>
-              <a:t>7/26/21</a:t>
+              <a:t>10/15/21</a:t>
             </a:fld>
             <a:endParaRPr lang="en-US"/>
           </a:p>
@@ -2816,7 +2816,7 @@
           <a:p>
             <a:fld id="{4036A734-A340-5443-B845-4EEF74CC76E6}" type="datetimeFigureOut">
               <a:rPr lang="en-US" smtClean="0"/>
-              <a:t>7/26/21</a:t>
+              <a:t>10/15/21</a:t>
             </a:fld>
             <a:endParaRPr lang="en-US"/>
           </a:p>
@@ -3104,7 +3104,7 @@
           <a:p>
             <a:fld id="{4036A734-A340-5443-B845-4EEF74CC76E6}" type="datetimeFigureOut">
               <a:rPr lang="en-US" smtClean="0"/>
-              <a:t>7/26/21</a:t>
+              <a:t>10/15/21</a:t>
             </a:fld>
             <a:endParaRPr lang="en-US"/>
           </a:p>
@@ -3345,7 +3345,7 @@
           <a:p>
             <a:fld id="{4036A734-A340-5443-B845-4EEF74CC76E6}" type="datetimeFigureOut">
               <a:rPr lang="en-US" smtClean="0"/>
-              <a:t>7/26/21</a:t>
+              <a:t>10/15/21</a:t>
             </a:fld>
             <a:endParaRPr lang="en-US"/>
           </a:p>
@@ -9277,10 +9277,10 @@
       </p:cxnSp>
       <p:pic>
         <p:nvPicPr>
-          <p:cNvPr id="6" name="Picture 5">
-            <a:extLst>
-              <a:ext uri="{FF2B5EF4-FFF2-40B4-BE49-F238E27FC236}">
-                <a16:creationId xmlns:a16="http://schemas.microsoft.com/office/drawing/2014/main" id="{F4DB1786-5A11-7847-ADA6-6120745BC7D9}"/>
+          <p:cNvPr id="123" name="Picture 122">
+            <a:extLst>
+              <a:ext uri="{FF2B5EF4-FFF2-40B4-BE49-F238E27FC236}">
+                <a16:creationId xmlns:a16="http://schemas.microsoft.com/office/drawing/2014/main" id="{DE8CD96B-976C-CA40-9292-CE4ADC25C0BA}"/>
               </a:ext>
             </a:extLst>
           </p:cNvPr>
@@ -9297,7 +9297,7 @@
         </p:blipFill>
         <p:spPr>
           <a:xfrm>
-            <a:off x="5612283" y="1933514"/>
+            <a:off x="5612283" y="1961904"/>
             <a:ext cx="6341064" cy="2601648"/>
           </a:xfrm>
           <a:prstGeom prst="rect">

--- a/Figure 1/Figure1.pptx
+++ b/Figure 1/Figure1.pptx
@@ -197,7 +197,7 @@
           <a:p>
             <a:fld id="{CDE3B4E9-C02B-6F49-83A9-510036541F8F}" type="datetimeFigureOut">
               <a:rPr lang="en-US" smtClean="0"/>
-              <a:t>10/15/21</a:t>
+              <a:t>11/8/21</a:t>
             </a:fld>
             <a:endParaRPr lang="en-US"/>
           </a:p>
@@ -695,7 +695,7 @@
           <a:p>
             <a:fld id="{4036A734-A340-5443-B845-4EEF74CC76E6}" type="datetimeFigureOut">
               <a:rPr lang="en-US" smtClean="0"/>
-              <a:t>10/15/21</a:t>
+              <a:t>11/8/21</a:t>
             </a:fld>
             <a:endParaRPr lang="en-US"/>
           </a:p>
@@ -893,7 +893,7 @@
           <a:p>
             <a:fld id="{4036A734-A340-5443-B845-4EEF74CC76E6}" type="datetimeFigureOut">
               <a:rPr lang="en-US" smtClean="0"/>
-              <a:t>10/15/21</a:t>
+              <a:t>11/8/21</a:t>
             </a:fld>
             <a:endParaRPr lang="en-US"/>
           </a:p>
@@ -1101,7 +1101,7 @@
           <a:p>
             <a:fld id="{4036A734-A340-5443-B845-4EEF74CC76E6}" type="datetimeFigureOut">
               <a:rPr lang="en-US" smtClean="0"/>
-              <a:t>10/15/21</a:t>
+              <a:t>11/8/21</a:t>
             </a:fld>
             <a:endParaRPr lang="en-US"/>
           </a:p>
@@ -1299,7 +1299,7 @@
           <a:p>
             <a:fld id="{4036A734-A340-5443-B845-4EEF74CC76E6}" type="datetimeFigureOut">
               <a:rPr lang="en-US" smtClean="0"/>
-              <a:t>10/15/21</a:t>
+              <a:t>11/8/21</a:t>
             </a:fld>
             <a:endParaRPr lang="en-US"/>
           </a:p>
@@ -1574,7 +1574,7 @@
           <a:p>
             <a:fld id="{4036A734-A340-5443-B845-4EEF74CC76E6}" type="datetimeFigureOut">
               <a:rPr lang="en-US" smtClean="0"/>
-              <a:t>10/15/21</a:t>
+              <a:t>11/8/21</a:t>
             </a:fld>
             <a:endParaRPr lang="en-US"/>
           </a:p>
@@ -1839,7 +1839,7 @@
           <a:p>
             <a:fld id="{4036A734-A340-5443-B845-4EEF74CC76E6}" type="datetimeFigureOut">
               <a:rPr lang="en-US" smtClean="0"/>
-              <a:t>10/15/21</a:t>
+              <a:t>11/8/21</a:t>
             </a:fld>
             <a:endParaRPr lang="en-US"/>
           </a:p>
@@ -2251,7 +2251,7 @@
           <a:p>
             <a:fld id="{4036A734-A340-5443-B845-4EEF74CC76E6}" type="datetimeFigureOut">
               <a:rPr lang="en-US" smtClean="0"/>
-              <a:t>10/15/21</a:t>
+              <a:t>11/8/21</a:t>
             </a:fld>
             <a:endParaRPr lang="en-US"/>
           </a:p>
@@ -2392,7 +2392,7 @@
           <a:p>
             <a:fld id="{4036A734-A340-5443-B845-4EEF74CC76E6}" type="datetimeFigureOut">
               <a:rPr lang="en-US" smtClean="0"/>
-              <a:t>10/15/21</a:t>
+              <a:t>11/8/21</a:t>
             </a:fld>
             <a:endParaRPr lang="en-US"/>
           </a:p>
@@ -2505,7 +2505,7 @@
           <a:p>
             <a:fld id="{4036A734-A340-5443-B845-4EEF74CC76E6}" type="datetimeFigureOut">
               <a:rPr lang="en-US" smtClean="0"/>
-              <a:t>10/15/21</a:t>
+              <a:t>11/8/21</a:t>
             </a:fld>
             <a:endParaRPr lang="en-US"/>
           </a:p>
@@ -2816,7 +2816,7 @@
           <a:p>
             <a:fld id="{4036A734-A340-5443-B845-4EEF74CC76E6}" type="datetimeFigureOut">
               <a:rPr lang="en-US" smtClean="0"/>
-              <a:t>10/15/21</a:t>
+              <a:t>11/8/21</a:t>
             </a:fld>
             <a:endParaRPr lang="en-US"/>
           </a:p>
@@ -3104,7 +3104,7 @@
           <a:p>
             <a:fld id="{4036A734-A340-5443-B845-4EEF74CC76E6}" type="datetimeFigureOut">
               <a:rPr lang="en-US" smtClean="0"/>
-              <a:t>10/15/21</a:t>
+              <a:t>11/8/21</a:t>
             </a:fld>
             <a:endParaRPr lang="en-US"/>
           </a:p>
@@ -3345,7 +3345,7 @@
           <a:p>
             <a:fld id="{4036A734-A340-5443-B845-4EEF74CC76E6}" type="datetimeFigureOut">
               <a:rPr lang="en-US" smtClean="0"/>
-              <a:t>10/15/21</a:t>
+              <a:t>11/8/21</a:t>
             </a:fld>
             <a:endParaRPr lang="en-US"/>
           </a:p>
@@ -8493,7 +8493,7 @@
         </p:blipFill>
         <p:spPr>
           <a:xfrm>
-            <a:off x="3297904" y="2503073"/>
+            <a:off x="3297904" y="2481557"/>
             <a:ext cx="76200" cy="139700"/>
           </a:xfrm>
           <a:prstGeom prst="rect">
@@ -9299,6 +9299,66 @@
           <a:xfrm>
             <a:off x="5612283" y="1961904"/>
             <a:ext cx="6341064" cy="2601648"/>
+          </a:xfrm>
+          <a:prstGeom prst="rect">
+            <a:avLst/>
+          </a:prstGeom>
+        </p:spPr>
+      </p:pic>
+      <p:pic>
+        <p:nvPicPr>
+          <p:cNvPr id="119" name="Picture 118">
+            <a:extLst>
+              <a:ext uri="{FF2B5EF4-FFF2-40B4-BE49-F238E27FC236}">
+                <a16:creationId xmlns:a16="http://schemas.microsoft.com/office/drawing/2014/main" id="{ABD7105F-1387-2143-9743-8BB00A868C58}"/>
+              </a:ext>
+            </a:extLst>
+          </p:cNvPr>
+          <p:cNvPicPr>
+            <a:picLocks noChangeAspect="1"/>
+          </p:cNvPicPr>
+          <p:nvPr/>
+        </p:nvPicPr>
+        <p:blipFill>
+          <a:blip r:embed="rId4"/>
+          <a:stretch>
+            <a:fillRect/>
+          </a:stretch>
+        </p:blipFill>
+        <p:spPr>
+          <a:xfrm>
+            <a:off x="4292124" y="3879976"/>
+            <a:ext cx="76200" cy="139700"/>
+          </a:xfrm>
+          <a:prstGeom prst="rect">
+            <a:avLst/>
+          </a:prstGeom>
+        </p:spPr>
+      </p:pic>
+      <p:pic>
+        <p:nvPicPr>
+          <p:cNvPr id="120" name="Picture 119">
+            <a:extLst>
+              <a:ext uri="{FF2B5EF4-FFF2-40B4-BE49-F238E27FC236}">
+                <a16:creationId xmlns:a16="http://schemas.microsoft.com/office/drawing/2014/main" id="{8B76FF73-C46A-224E-98E7-500EB47AF253}"/>
+              </a:ext>
+            </a:extLst>
+          </p:cNvPr>
+          <p:cNvPicPr>
+            <a:picLocks noChangeAspect="1"/>
+          </p:cNvPicPr>
+          <p:nvPr/>
+        </p:nvPicPr>
+        <p:blipFill>
+          <a:blip r:embed="rId4"/>
+          <a:stretch>
+            <a:fillRect/>
+          </a:stretch>
+        </p:blipFill>
+        <p:spPr>
+          <a:xfrm>
+            <a:off x="3536205" y="4094452"/>
+            <a:ext cx="76200" cy="139700"/>
           </a:xfrm>
           <a:prstGeom prst="rect">
             <a:avLst/>
